--- a/專題資料夾/1080514/停車場車牌辨識系統.pptx
+++ b/專題資料夾/1080514/停車場車牌辨識系統.pptx
@@ -9,9 +9,11 @@
     <p:sldId id="257" r:id="rId3"/>
     <p:sldId id="258" r:id="rId4"/>
     <p:sldId id="259" r:id="rId5"/>
-    <p:sldId id="260" r:id="rId6"/>
-    <p:sldId id="261" r:id="rId7"/>
-    <p:sldId id="262" r:id="rId8"/>
+    <p:sldId id="263" r:id="rId6"/>
+    <p:sldId id="264" r:id="rId7"/>
+    <p:sldId id="260" r:id="rId8"/>
+    <p:sldId id="261" r:id="rId9"/>
+    <p:sldId id="262" r:id="rId10"/>
   </p:sldIdLst>
   <p:sldSz cx="12192000" cy="6858000"/>
   <p:notesSz cx="6858000" cy="9144000"/>
@@ -168,7 +170,7 @@
           <a:noFill/>
           <a:extLst>
             <a:ext uri="{909E8E84-426E-40dd-AFC4-6F175D3DCCD1}">
-              <a14:hiddenFill xmlns="" xmlns:a14="http://schemas.microsoft.com/office/drawing/2010/main">
+              <a14:hiddenFill xmlns:a14="http://schemas.microsoft.com/office/drawing/2010/main" xmlns="">
                 <a:solidFill>
                   <a:srgbClr val="FFFFFF"/>
                 </a:solidFill>
@@ -228,7 +230,7 @@
             </a:ln>
             <a:extLst>
               <a:ext uri="{91240B29-F687-4f45-9708-019B960494DF}">
-                <a14:hiddenLine xmlns="" xmlns:a14="http://schemas.microsoft.com/office/drawing/2010/main" w="9525">
+                <a14:hiddenLine xmlns:a14="http://schemas.microsoft.com/office/drawing/2010/main" xmlns="" w="9525">
                   <a:solidFill>
                     <a:srgbClr val="000000"/>
                   </a:solidFill>
@@ -318,7 +320,7 @@
             </a:ln>
             <a:extLst>
               <a:ext uri="{91240B29-F687-4f45-9708-019B960494DF}">
-                <a14:hiddenLine xmlns="" xmlns:a14="http://schemas.microsoft.com/office/drawing/2010/main" w="9525">
+                <a14:hiddenLine xmlns:a14="http://schemas.microsoft.com/office/drawing/2010/main" xmlns="" w="9525">
                   <a:solidFill>
                     <a:srgbClr val="000000"/>
                   </a:solidFill>
@@ -408,7 +410,7 @@
             </a:ln>
             <a:extLst>
               <a:ext uri="{91240B29-F687-4f45-9708-019B960494DF}">
-                <a14:hiddenLine xmlns="" xmlns:a14="http://schemas.microsoft.com/office/drawing/2010/main" w="9525">
+                <a14:hiddenLine xmlns:a14="http://schemas.microsoft.com/office/drawing/2010/main" xmlns="" w="9525">
                   <a:solidFill>
                     <a:srgbClr val="000000"/>
                   </a:solidFill>
@@ -442,7 +444,7 @@
             </a:ln>
             <a:extLst>
               <a:ext uri="{91240B29-F687-4f45-9708-019B960494DF}">
-                <a14:hiddenLine xmlns="" xmlns:a14="http://schemas.microsoft.com/office/drawing/2010/main" w="9525">
+                <a14:hiddenLine xmlns:a14="http://schemas.microsoft.com/office/drawing/2010/main" xmlns="" w="9525">
                   <a:solidFill>
                     <a:srgbClr val="000000"/>
                   </a:solidFill>
@@ -532,7 +534,7 @@
             </a:ln>
             <a:extLst>
               <a:ext uri="{91240B29-F687-4f45-9708-019B960494DF}">
-                <a14:hiddenLine xmlns="" xmlns:a14="http://schemas.microsoft.com/office/drawing/2010/main" w="9525">
+                <a14:hiddenLine xmlns:a14="http://schemas.microsoft.com/office/drawing/2010/main" xmlns="" w="9525">
                   <a:solidFill>
                     <a:srgbClr val="000000"/>
                   </a:solidFill>
@@ -594,7 +596,7 @@
             </a:ln>
             <a:extLst>
               <a:ext uri="{91240B29-F687-4f45-9708-019B960494DF}">
-                <a14:hiddenLine xmlns="" xmlns:a14="http://schemas.microsoft.com/office/drawing/2010/main" w="9525">
+                <a14:hiddenLine xmlns:a14="http://schemas.microsoft.com/office/drawing/2010/main" xmlns="" w="9525">
                   <a:solidFill>
                     <a:srgbClr val="000000"/>
                   </a:solidFill>
@@ -656,7 +658,7 @@
             </a:ln>
             <a:extLst>
               <a:ext uri="{91240B29-F687-4f45-9708-019B960494DF}">
-                <a14:hiddenLine xmlns="" xmlns:a14="http://schemas.microsoft.com/office/drawing/2010/main" w="9525">
+                <a14:hiddenLine xmlns:a14="http://schemas.microsoft.com/office/drawing/2010/main" xmlns="" w="9525">
                   <a:solidFill>
                     <a:srgbClr val="000000"/>
                   </a:solidFill>
@@ -746,7 +748,7 @@
             </a:ln>
             <a:extLst>
               <a:ext uri="{91240B29-F687-4f45-9708-019B960494DF}">
-                <a14:hiddenLine xmlns="" xmlns:a14="http://schemas.microsoft.com/office/drawing/2010/main" w="9525">
+                <a14:hiddenLine xmlns:a14="http://schemas.microsoft.com/office/drawing/2010/main" xmlns="" w="9525">
                   <a:solidFill>
                     <a:srgbClr val="000000"/>
                   </a:solidFill>
@@ -808,7 +810,7 @@
             </a:ln>
             <a:extLst>
               <a:ext uri="{91240B29-F687-4f45-9708-019B960494DF}">
-                <a14:hiddenLine xmlns="" xmlns:a14="http://schemas.microsoft.com/office/drawing/2010/main" w="9525">
+                <a14:hiddenLine xmlns:a14="http://schemas.microsoft.com/office/drawing/2010/main" xmlns="" w="9525">
                   <a:solidFill>
                     <a:srgbClr val="000000"/>
                   </a:solidFill>
@@ -870,7 +872,7 @@
             </a:ln>
             <a:extLst>
               <a:ext uri="{91240B29-F687-4f45-9708-019B960494DF}">
-                <a14:hiddenLine xmlns="" xmlns:a14="http://schemas.microsoft.com/office/drawing/2010/main" w="9525">
+                <a14:hiddenLine xmlns:a14="http://schemas.microsoft.com/office/drawing/2010/main" xmlns="" w="9525">
                   <a:solidFill>
                     <a:srgbClr val="000000"/>
                   </a:solidFill>
@@ -960,7 +962,7 @@
             </a:ln>
             <a:extLst>
               <a:ext uri="{91240B29-F687-4f45-9708-019B960494DF}">
-                <a14:hiddenLine xmlns="" xmlns:a14="http://schemas.microsoft.com/office/drawing/2010/main" w="9525">
+                <a14:hiddenLine xmlns:a14="http://schemas.microsoft.com/office/drawing/2010/main" xmlns="" w="9525">
                   <a:solidFill>
                     <a:srgbClr val="000000"/>
                   </a:solidFill>
@@ -1050,7 +1052,7 @@
             </a:ln>
             <a:extLst>
               <a:ext uri="{91240B29-F687-4f45-9708-019B960494DF}">
-                <a14:hiddenLine xmlns="" xmlns:a14="http://schemas.microsoft.com/office/drawing/2010/main" w="9525">
+                <a14:hiddenLine xmlns:a14="http://schemas.microsoft.com/office/drawing/2010/main" xmlns="" w="9525">
                   <a:solidFill>
                     <a:srgbClr val="000000"/>
                   </a:solidFill>
@@ -1112,7 +1114,7 @@
             </a:ln>
             <a:extLst>
               <a:ext uri="{91240B29-F687-4f45-9708-019B960494DF}">
-                <a14:hiddenLine xmlns="" xmlns:a14="http://schemas.microsoft.com/office/drawing/2010/main" w="9525">
+                <a14:hiddenLine xmlns:a14="http://schemas.microsoft.com/office/drawing/2010/main" xmlns="" w="9525">
                   <a:solidFill>
                     <a:srgbClr val="000000"/>
                   </a:solidFill>
@@ -1222,7 +1224,7 @@
             </a:ln>
             <a:extLst>
               <a:ext uri="{91240B29-F687-4f45-9708-019B960494DF}">
-                <a14:hiddenLine xmlns="" xmlns:a14="http://schemas.microsoft.com/office/drawing/2010/main" w="9525">
+                <a14:hiddenLine xmlns:a14="http://schemas.microsoft.com/office/drawing/2010/main" xmlns="" w="9525">
                   <a:solidFill>
                     <a:srgbClr val="000000"/>
                   </a:solidFill>
@@ -1284,7 +1286,7 @@
             </a:ln>
             <a:extLst>
               <a:ext uri="{91240B29-F687-4f45-9708-019B960494DF}">
-                <a14:hiddenLine xmlns="" xmlns:a14="http://schemas.microsoft.com/office/drawing/2010/main" w="9525">
+                <a14:hiddenLine xmlns:a14="http://schemas.microsoft.com/office/drawing/2010/main" xmlns="" w="9525">
                   <a:solidFill>
                     <a:srgbClr val="000000"/>
                   </a:solidFill>
@@ -1374,7 +1376,7 @@
             </a:ln>
             <a:extLst>
               <a:ext uri="{91240B29-F687-4f45-9708-019B960494DF}">
-                <a14:hiddenLine xmlns="" xmlns:a14="http://schemas.microsoft.com/office/drawing/2010/main" w="9525">
+                <a14:hiddenLine xmlns:a14="http://schemas.microsoft.com/office/drawing/2010/main" xmlns="" w="9525">
                   <a:solidFill>
                     <a:srgbClr val="000000"/>
                   </a:solidFill>
@@ -1464,7 +1466,7 @@
             </a:ln>
             <a:extLst>
               <a:ext uri="{91240B29-F687-4f45-9708-019B960494DF}">
-                <a14:hiddenLine xmlns="" xmlns:a14="http://schemas.microsoft.com/office/drawing/2010/main" w="9525">
+                <a14:hiddenLine xmlns:a14="http://schemas.microsoft.com/office/drawing/2010/main" xmlns="" w="9525">
                   <a:solidFill>
                     <a:srgbClr val="000000"/>
                   </a:solidFill>
@@ -1526,7 +1528,7 @@
             </a:ln>
             <a:extLst>
               <a:ext uri="{91240B29-F687-4f45-9708-019B960494DF}">
-                <a14:hiddenLine xmlns="" xmlns:a14="http://schemas.microsoft.com/office/drawing/2010/main" w="9525">
+                <a14:hiddenLine xmlns:a14="http://schemas.microsoft.com/office/drawing/2010/main" xmlns="" w="9525">
                   <a:solidFill>
                     <a:srgbClr val="000000"/>
                   </a:solidFill>
@@ -1616,7 +1618,7 @@
             </a:ln>
             <a:extLst>
               <a:ext uri="{91240B29-F687-4f45-9708-019B960494DF}">
-                <a14:hiddenLine xmlns="" xmlns:a14="http://schemas.microsoft.com/office/drawing/2010/main" w="9525">
+                <a14:hiddenLine xmlns:a14="http://schemas.microsoft.com/office/drawing/2010/main" xmlns="" w="9525">
                   <a:solidFill>
                     <a:srgbClr val="000000"/>
                   </a:solidFill>
@@ -1706,7 +1708,7 @@
             </a:ln>
             <a:extLst>
               <a:ext uri="{91240B29-F687-4f45-9708-019B960494DF}">
-                <a14:hiddenLine xmlns="" xmlns:a14="http://schemas.microsoft.com/office/drawing/2010/main" w="9525">
+                <a14:hiddenLine xmlns:a14="http://schemas.microsoft.com/office/drawing/2010/main" xmlns="" w="9525">
                   <a:solidFill>
                     <a:srgbClr val="000000"/>
                   </a:solidFill>
@@ -1762,7 +1764,7 @@
             </a:ln>
             <a:extLst>
               <a:ext uri="{91240B29-F687-4f45-9708-019B960494DF}">
-                <a14:hiddenLine xmlns="" xmlns:a14="http://schemas.microsoft.com/office/drawing/2010/main" w="9525">
+                <a14:hiddenLine xmlns:a14="http://schemas.microsoft.com/office/drawing/2010/main" xmlns="" w="9525">
                   <a:solidFill>
                     <a:srgbClr val="000000"/>
                   </a:solidFill>
@@ -1852,7 +1854,7 @@
             </a:ln>
             <a:extLst>
               <a:ext uri="{91240B29-F687-4f45-9708-019B960494DF}">
-                <a14:hiddenLine xmlns="" xmlns:a14="http://schemas.microsoft.com/office/drawing/2010/main" w="9525">
+                <a14:hiddenLine xmlns:a14="http://schemas.microsoft.com/office/drawing/2010/main" xmlns="" w="9525">
                   <a:solidFill>
                     <a:srgbClr val="000000"/>
                   </a:solidFill>
@@ -1908,7 +1910,7 @@
             </a:ln>
             <a:extLst>
               <a:ext uri="{91240B29-F687-4f45-9708-019B960494DF}">
-                <a14:hiddenLine xmlns="" xmlns:a14="http://schemas.microsoft.com/office/drawing/2010/main" w="9525">
+                <a14:hiddenLine xmlns:a14="http://schemas.microsoft.com/office/drawing/2010/main" xmlns="" w="9525">
                   <a:solidFill>
                     <a:srgbClr val="000000"/>
                   </a:solidFill>
@@ -1998,7 +2000,7 @@
             </a:ln>
             <a:extLst>
               <a:ext uri="{91240B29-F687-4f45-9708-019B960494DF}">
-                <a14:hiddenLine xmlns="" xmlns:a14="http://schemas.microsoft.com/office/drawing/2010/main" w="9525">
+                <a14:hiddenLine xmlns:a14="http://schemas.microsoft.com/office/drawing/2010/main" xmlns="" w="9525">
                   <a:solidFill>
                     <a:srgbClr val="000000"/>
                   </a:solidFill>
@@ -2066,7 +2068,7 @@
             </a:ln>
             <a:extLst>
               <a:ext uri="{91240B29-F687-4f45-9708-019B960494DF}">
-                <a14:hiddenLine xmlns="" xmlns:a14="http://schemas.microsoft.com/office/drawing/2010/main" w="9525">
+                <a14:hiddenLine xmlns:a14="http://schemas.microsoft.com/office/drawing/2010/main" xmlns="" w="9525">
                   <a:solidFill>
                     <a:srgbClr val="000000"/>
                   </a:solidFill>
@@ -2156,7 +2158,7 @@
             </a:ln>
             <a:extLst>
               <a:ext uri="{91240B29-F687-4f45-9708-019B960494DF}">
-                <a14:hiddenLine xmlns="" xmlns:a14="http://schemas.microsoft.com/office/drawing/2010/main" w="9525">
+                <a14:hiddenLine xmlns:a14="http://schemas.microsoft.com/office/drawing/2010/main" xmlns="" w="9525">
                   <a:solidFill>
                     <a:srgbClr val="000000"/>
                   </a:solidFill>
@@ -2224,7 +2226,7 @@
             </a:ln>
             <a:extLst>
               <a:ext uri="{91240B29-F687-4f45-9708-019B960494DF}">
-                <a14:hiddenLine xmlns="" xmlns:a14="http://schemas.microsoft.com/office/drawing/2010/main" w="9525">
+                <a14:hiddenLine xmlns:a14="http://schemas.microsoft.com/office/drawing/2010/main" xmlns="" w="9525">
                   <a:solidFill>
                     <a:srgbClr val="000000"/>
                   </a:solidFill>
@@ -2314,7 +2316,7 @@
             </a:ln>
             <a:extLst>
               <a:ext uri="{91240B29-F687-4f45-9708-019B960494DF}">
-                <a14:hiddenLine xmlns="" xmlns:a14="http://schemas.microsoft.com/office/drawing/2010/main" w="9525">
+                <a14:hiddenLine xmlns:a14="http://schemas.microsoft.com/office/drawing/2010/main" xmlns="" w="9525">
                   <a:solidFill>
                     <a:srgbClr val="000000"/>
                   </a:solidFill>
@@ -2348,7 +2350,7 @@
             </a:ln>
             <a:extLst>
               <a:ext uri="{91240B29-F687-4f45-9708-019B960494DF}">
-                <a14:hiddenLine xmlns="" xmlns:a14="http://schemas.microsoft.com/office/drawing/2010/main" w="9525">
+                <a14:hiddenLine xmlns:a14="http://schemas.microsoft.com/office/drawing/2010/main" xmlns="" w="9525">
                   <a:solidFill>
                     <a:srgbClr val="000000"/>
                   </a:solidFill>
@@ -2438,7 +2440,7 @@
             </a:ln>
             <a:extLst>
               <a:ext uri="{91240B29-F687-4f45-9708-019B960494DF}">
-                <a14:hiddenLine xmlns="" xmlns:a14="http://schemas.microsoft.com/office/drawing/2010/main" w="9525">
+                <a14:hiddenLine xmlns:a14="http://schemas.microsoft.com/office/drawing/2010/main" xmlns="" w="9525">
                   <a:solidFill>
                     <a:srgbClr val="000000"/>
                   </a:solidFill>
@@ -2500,7 +2502,7 @@
             </a:ln>
             <a:extLst>
               <a:ext uri="{91240B29-F687-4f45-9708-019B960494DF}">
-                <a14:hiddenLine xmlns="" xmlns:a14="http://schemas.microsoft.com/office/drawing/2010/main" w="9525">
+                <a14:hiddenLine xmlns:a14="http://schemas.microsoft.com/office/drawing/2010/main" xmlns="" w="9525">
                   <a:solidFill>
                     <a:srgbClr val="000000"/>
                   </a:solidFill>
@@ -2562,7 +2564,7 @@
             </a:ln>
             <a:extLst>
               <a:ext uri="{91240B29-F687-4f45-9708-019B960494DF}">
-                <a14:hiddenLine xmlns="" xmlns:a14="http://schemas.microsoft.com/office/drawing/2010/main" w="9525">
+                <a14:hiddenLine xmlns:a14="http://schemas.microsoft.com/office/drawing/2010/main" xmlns="" w="9525">
                   <a:solidFill>
                     <a:srgbClr val="000000"/>
                   </a:solidFill>
@@ -2652,7 +2654,7 @@
             </a:ln>
             <a:extLst>
               <a:ext uri="{91240B29-F687-4f45-9708-019B960494DF}">
-                <a14:hiddenLine xmlns="" xmlns:a14="http://schemas.microsoft.com/office/drawing/2010/main" w="9525">
+                <a14:hiddenLine xmlns:a14="http://schemas.microsoft.com/office/drawing/2010/main" xmlns="" w="9525">
                   <a:solidFill>
                     <a:srgbClr val="000000"/>
                   </a:solidFill>
@@ -2720,7 +2722,7 @@
             </a:ln>
             <a:extLst>
               <a:ext uri="{91240B29-F687-4f45-9708-019B960494DF}">
-                <a14:hiddenLine xmlns="" xmlns:a14="http://schemas.microsoft.com/office/drawing/2010/main" w="9525">
+                <a14:hiddenLine xmlns:a14="http://schemas.microsoft.com/office/drawing/2010/main" xmlns="" w="9525">
                   <a:solidFill>
                     <a:srgbClr val="000000"/>
                   </a:solidFill>
@@ -2782,7 +2784,7 @@
             </a:ln>
             <a:extLst>
               <a:ext uri="{91240B29-F687-4f45-9708-019B960494DF}">
-                <a14:hiddenLine xmlns="" xmlns:a14="http://schemas.microsoft.com/office/drawing/2010/main" w="9525">
+                <a14:hiddenLine xmlns:a14="http://schemas.microsoft.com/office/drawing/2010/main" xmlns="" w="9525">
                   <a:solidFill>
                     <a:srgbClr val="000000"/>
                   </a:solidFill>
@@ -2872,7 +2874,7 @@
             </a:ln>
             <a:extLst>
               <a:ext uri="{91240B29-F687-4f45-9708-019B960494DF}">
-                <a14:hiddenLine xmlns="" xmlns:a14="http://schemas.microsoft.com/office/drawing/2010/main" w="9525">
+                <a14:hiddenLine xmlns:a14="http://schemas.microsoft.com/office/drawing/2010/main" xmlns="" w="9525">
                   <a:solidFill>
                     <a:srgbClr val="000000"/>
                   </a:solidFill>
@@ -2934,7 +2936,7 @@
             </a:ln>
             <a:extLst>
               <a:ext uri="{91240B29-F687-4f45-9708-019B960494DF}">
-                <a14:hiddenLine xmlns="" xmlns:a14="http://schemas.microsoft.com/office/drawing/2010/main" w="9525">
+                <a14:hiddenLine xmlns:a14="http://schemas.microsoft.com/office/drawing/2010/main" xmlns="" w="9525">
                   <a:solidFill>
                     <a:srgbClr val="000000"/>
                   </a:solidFill>
@@ -3024,7 +3026,7 @@
             </a:ln>
             <a:extLst>
               <a:ext uri="{91240B29-F687-4f45-9708-019B960494DF}">
-                <a14:hiddenLine xmlns="" xmlns:a14="http://schemas.microsoft.com/office/drawing/2010/main" w="9525">
+                <a14:hiddenLine xmlns:a14="http://schemas.microsoft.com/office/drawing/2010/main" xmlns="" w="9525">
                   <a:solidFill>
                     <a:srgbClr val="000000"/>
                   </a:solidFill>
@@ -3086,7 +3088,7 @@
             </a:ln>
             <a:extLst>
               <a:ext uri="{91240B29-F687-4f45-9708-019B960494DF}">
-                <a14:hiddenLine xmlns="" xmlns:a14="http://schemas.microsoft.com/office/drawing/2010/main" w="9525">
+                <a14:hiddenLine xmlns:a14="http://schemas.microsoft.com/office/drawing/2010/main" xmlns="" w="9525">
                   <a:solidFill>
                     <a:srgbClr val="000000"/>
                   </a:solidFill>
@@ -3176,7 +3178,7 @@
             </a:ln>
             <a:extLst>
               <a:ext uri="{91240B29-F687-4f45-9708-019B960494DF}">
-                <a14:hiddenLine xmlns="" xmlns:a14="http://schemas.microsoft.com/office/drawing/2010/main" w="9525">
+                <a14:hiddenLine xmlns:a14="http://schemas.microsoft.com/office/drawing/2010/main" xmlns="" w="9525">
                   <a:solidFill>
                     <a:srgbClr val="000000"/>
                   </a:solidFill>
@@ -3210,7 +3212,7 @@
             </a:ln>
             <a:extLst>
               <a:ext uri="{91240B29-F687-4f45-9708-019B960494DF}">
-                <a14:hiddenLine xmlns="" xmlns:a14="http://schemas.microsoft.com/office/drawing/2010/main" w="9525">
+                <a14:hiddenLine xmlns:a14="http://schemas.microsoft.com/office/drawing/2010/main" xmlns="" w="9525">
                   <a:solidFill>
                     <a:srgbClr val="000000"/>
                   </a:solidFill>
@@ -3275,7 +3277,7 @@
             </a:ln>
             <a:extLst>
               <a:ext uri="{91240B29-F687-4f45-9708-019B960494DF}">
-                <a14:hiddenLine xmlns="" xmlns:a14="http://schemas.microsoft.com/office/drawing/2010/main" w="9525">
+                <a14:hiddenLine xmlns:a14="http://schemas.microsoft.com/office/drawing/2010/main" xmlns="" w="9525">
                   <a:solidFill>
                     <a:srgbClr val="000000"/>
                   </a:solidFill>
@@ -3365,7 +3367,7 @@
             </a:ln>
             <a:extLst>
               <a:ext uri="{91240B29-F687-4f45-9708-019B960494DF}">
-                <a14:hiddenLine xmlns="" xmlns:a14="http://schemas.microsoft.com/office/drawing/2010/main" w="9525">
+                <a14:hiddenLine xmlns:a14="http://schemas.microsoft.com/office/drawing/2010/main" xmlns="" w="9525">
                   <a:solidFill>
                     <a:srgbClr val="000000"/>
                   </a:solidFill>
@@ -3427,7 +3429,7 @@
             </a:ln>
             <a:extLst>
               <a:ext uri="{91240B29-F687-4f45-9708-019B960494DF}">
-                <a14:hiddenLine xmlns="" xmlns:a14="http://schemas.microsoft.com/office/drawing/2010/main" w="9525">
+                <a14:hiddenLine xmlns:a14="http://schemas.microsoft.com/office/drawing/2010/main" xmlns="" w="9525">
                   <a:solidFill>
                     <a:srgbClr val="000000"/>
                   </a:solidFill>
@@ -3517,7 +3519,7 @@
             </a:ln>
             <a:extLst>
               <a:ext uri="{91240B29-F687-4f45-9708-019B960494DF}">
-                <a14:hiddenLine xmlns="" xmlns:a14="http://schemas.microsoft.com/office/drawing/2010/main" w="9525">
+                <a14:hiddenLine xmlns:a14="http://schemas.microsoft.com/office/drawing/2010/main" xmlns="" w="9525">
                   <a:solidFill>
                     <a:srgbClr val="000000"/>
                   </a:solidFill>
@@ -3607,7 +3609,7 @@
             </a:ln>
             <a:extLst>
               <a:ext uri="{91240B29-F687-4f45-9708-019B960494DF}">
-                <a14:hiddenLine xmlns="" xmlns:a14="http://schemas.microsoft.com/office/drawing/2010/main" w="9525">
+                <a14:hiddenLine xmlns:a14="http://schemas.microsoft.com/office/drawing/2010/main" xmlns="" w="9525">
                   <a:solidFill>
                     <a:srgbClr val="000000"/>
                   </a:solidFill>
@@ -3672,7 +3674,7 @@
             </a:ln>
             <a:extLst>
               <a:ext uri="{91240B29-F687-4f45-9708-019B960494DF}">
-                <a14:hiddenLine xmlns="" xmlns:a14="http://schemas.microsoft.com/office/drawing/2010/main" w="9525">
+                <a14:hiddenLine xmlns:a14="http://schemas.microsoft.com/office/drawing/2010/main" xmlns="" w="9525">
                   <a:solidFill>
                     <a:srgbClr val="000000"/>
                   </a:solidFill>
@@ -3734,7 +3736,7 @@
             </a:ln>
             <a:extLst>
               <a:ext uri="{91240B29-F687-4f45-9708-019B960494DF}">
-                <a14:hiddenLine xmlns="" xmlns:a14="http://schemas.microsoft.com/office/drawing/2010/main" w="9525">
+                <a14:hiddenLine xmlns:a14="http://schemas.microsoft.com/office/drawing/2010/main" xmlns="" w="9525">
                   <a:solidFill>
                     <a:srgbClr val="000000"/>
                   </a:solidFill>
@@ -3824,7 +3826,7 @@
             </a:ln>
             <a:extLst>
               <a:ext uri="{91240B29-F687-4f45-9708-019B960494DF}">
-                <a14:hiddenLine xmlns="" xmlns:a14="http://schemas.microsoft.com/office/drawing/2010/main" w="9525">
+                <a14:hiddenLine xmlns:a14="http://schemas.microsoft.com/office/drawing/2010/main" xmlns="" w="9525">
                   <a:solidFill>
                     <a:srgbClr val="000000"/>
                   </a:solidFill>
@@ -3914,7 +3916,7 @@
             </a:ln>
             <a:extLst>
               <a:ext uri="{91240B29-F687-4f45-9708-019B960494DF}">
-                <a14:hiddenLine xmlns="" xmlns:a14="http://schemas.microsoft.com/office/drawing/2010/main" w="9525">
+                <a14:hiddenLine xmlns:a14="http://schemas.microsoft.com/office/drawing/2010/main" xmlns="" w="9525">
                   <a:solidFill>
                     <a:srgbClr val="000000"/>
                   </a:solidFill>
@@ -3976,7 +3978,7 @@
             </a:ln>
             <a:extLst>
               <a:ext uri="{91240B29-F687-4f45-9708-019B960494DF}">
-                <a14:hiddenLine xmlns="" xmlns:a14="http://schemas.microsoft.com/office/drawing/2010/main" w="9525">
+                <a14:hiddenLine xmlns:a14="http://schemas.microsoft.com/office/drawing/2010/main" xmlns="" w="9525">
                   <a:solidFill>
                     <a:srgbClr val="000000"/>
                   </a:solidFill>
@@ -4096,7 +4098,7 @@
             </a:ln>
             <a:extLst>
               <a:ext uri="{91240B29-F687-4f45-9708-019B960494DF}">
-                <a14:hiddenLine xmlns="" xmlns:a14="http://schemas.microsoft.com/office/drawing/2010/main" w="9525">
+                <a14:hiddenLine xmlns:a14="http://schemas.microsoft.com/office/drawing/2010/main" xmlns="" w="9525">
                   <a:solidFill>
                     <a:srgbClr val="000000"/>
                   </a:solidFill>
@@ -4164,7 +4166,7 @@
             </a:ln>
             <a:extLst>
               <a:ext uri="{91240B29-F687-4f45-9708-019B960494DF}">
-                <a14:hiddenLine xmlns="" xmlns:a14="http://schemas.microsoft.com/office/drawing/2010/main" w="9525">
+                <a14:hiddenLine xmlns:a14="http://schemas.microsoft.com/office/drawing/2010/main" xmlns="" w="9525">
                   <a:solidFill>
                     <a:srgbClr val="000000"/>
                   </a:solidFill>
@@ -4254,7 +4256,7 @@
             </a:ln>
             <a:extLst>
               <a:ext uri="{91240B29-F687-4f45-9708-019B960494DF}">
-                <a14:hiddenLine xmlns="" xmlns:a14="http://schemas.microsoft.com/office/drawing/2010/main" w="9525">
+                <a14:hiddenLine xmlns:a14="http://schemas.microsoft.com/office/drawing/2010/main" xmlns="" w="9525">
                   <a:solidFill>
                     <a:srgbClr val="000000"/>
                   </a:solidFill>
@@ -8976,7 +8978,7 @@
           <a:noFill/>
           <a:extLst>
             <a:ext uri="{909E8E84-426E-40dd-AFC4-6F175D3DCCD1}">
-              <a14:hiddenFill xmlns="" xmlns:a14="http://schemas.microsoft.com/office/drawing/2010/main">
+              <a14:hiddenFill xmlns:a14="http://schemas.microsoft.com/office/drawing/2010/main" xmlns="">
                 <a:solidFill>
                   <a:srgbClr val="FFFFFF"/>
                 </a:solidFill>
@@ -9050,7 +9052,7 @@
               </a:ln>
               <a:extLst>
                 <a:ext uri="{91240B29-F687-4f45-9708-019B960494DF}">
-                  <a14:hiddenLine xmlns="" xmlns:a14="http://schemas.microsoft.com/office/drawing/2010/main" w="9525">
+                  <a14:hiddenLine xmlns:a14="http://schemas.microsoft.com/office/drawing/2010/main" xmlns="" w="9525">
                     <a:solidFill>
                       <a:srgbClr val="000000"/>
                     </a:solidFill>
@@ -9140,7 +9142,7 @@
               </a:ln>
               <a:extLst>
                 <a:ext uri="{91240B29-F687-4f45-9708-019B960494DF}">
-                  <a14:hiddenLine xmlns="" xmlns:a14="http://schemas.microsoft.com/office/drawing/2010/main" w="9525">
+                  <a14:hiddenLine xmlns:a14="http://schemas.microsoft.com/office/drawing/2010/main" xmlns="" w="9525">
                     <a:solidFill>
                       <a:srgbClr val="000000"/>
                     </a:solidFill>
@@ -9230,7 +9232,7 @@
               </a:ln>
               <a:extLst>
                 <a:ext uri="{91240B29-F687-4f45-9708-019B960494DF}">
-                  <a14:hiddenLine xmlns="" xmlns:a14="http://schemas.microsoft.com/office/drawing/2010/main" w="9525">
+                  <a14:hiddenLine xmlns:a14="http://schemas.microsoft.com/office/drawing/2010/main" xmlns="" w="9525">
                     <a:solidFill>
                       <a:srgbClr val="000000"/>
                     </a:solidFill>
@@ -9292,7 +9294,7 @@
               </a:ln>
               <a:extLst>
                 <a:ext uri="{91240B29-F687-4f45-9708-019B960494DF}">
-                  <a14:hiddenLine xmlns="" xmlns:a14="http://schemas.microsoft.com/office/drawing/2010/main" w="9525">
+                  <a14:hiddenLine xmlns:a14="http://schemas.microsoft.com/office/drawing/2010/main" xmlns="" w="9525">
                     <a:solidFill>
                       <a:srgbClr val="000000"/>
                     </a:solidFill>
@@ -9382,7 +9384,7 @@
               </a:ln>
               <a:extLst>
                 <a:ext uri="{91240B29-F687-4f45-9708-019B960494DF}">
-                  <a14:hiddenLine xmlns="" xmlns:a14="http://schemas.microsoft.com/office/drawing/2010/main" w="9525">
+                  <a14:hiddenLine xmlns:a14="http://schemas.microsoft.com/office/drawing/2010/main" xmlns="" w="9525">
                     <a:solidFill>
                       <a:srgbClr val="000000"/>
                     </a:solidFill>
@@ -9444,7 +9446,7 @@
               </a:ln>
               <a:extLst>
                 <a:ext uri="{91240B29-F687-4f45-9708-019B960494DF}">
-                  <a14:hiddenLine xmlns="" xmlns:a14="http://schemas.microsoft.com/office/drawing/2010/main" w="9525">
+                  <a14:hiddenLine xmlns:a14="http://schemas.microsoft.com/office/drawing/2010/main" xmlns="" w="9525">
                     <a:solidFill>
                       <a:srgbClr val="000000"/>
                     </a:solidFill>
@@ -9506,7 +9508,7 @@
               </a:ln>
               <a:extLst>
                 <a:ext uri="{91240B29-F687-4f45-9708-019B960494DF}">
-                  <a14:hiddenLine xmlns="" xmlns:a14="http://schemas.microsoft.com/office/drawing/2010/main" w="9525">
+                  <a14:hiddenLine xmlns:a14="http://schemas.microsoft.com/office/drawing/2010/main" xmlns="" w="9525">
                     <a:solidFill>
                       <a:srgbClr val="000000"/>
                     </a:solidFill>
@@ -9596,7 +9598,7 @@
               </a:ln>
               <a:extLst>
                 <a:ext uri="{91240B29-F687-4f45-9708-019B960494DF}">
-                  <a14:hiddenLine xmlns="" xmlns:a14="http://schemas.microsoft.com/office/drawing/2010/main" w="9525">
+                  <a14:hiddenLine xmlns:a14="http://schemas.microsoft.com/office/drawing/2010/main" xmlns="" w="9525">
                     <a:solidFill>
                       <a:srgbClr val="000000"/>
                     </a:solidFill>
@@ -9686,7 +9688,7 @@
               </a:ln>
               <a:extLst>
                 <a:ext uri="{91240B29-F687-4f45-9708-019B960494DF}">
-                  <a14:hiddenLine xmlns="" xmlns:a14="http://schemas.microsoft.com/office/drawing/2010/main" w="9525">
+                  <a14:hiddenLine xmlns:a14="http://schemas.microsoft.com/office/drawing/2010/main" xmlns="" w="9525">
                     <a:solidFill>
                       <a:srgbClr val="000000"/>
                     </a:solidFill>
@@ -9748,7 +9750,7 @@
               </a:ln>
               <a:extLst>
                 <a:ext uri="{91240B29-F687-4f45-9708-019B960494DF}">
-                  <a14:hiddenLine xmlns="" xmlns:a14="http://schemas.microsoft.com/office/drawing/2010/main" w="9525">
+                  <a14:hiddenLine xmlns:a14="http://schemas.microsoft.com/office/drawing/2010/main" xmlns="" w="9525">
                     <a:solidFill>
                       <a:srgbClr val="000000"/>
                     </a:solidFill>
@@ -9858,7 +9860,7 @@
               </a:ln>
               <a:extLst>
                 <a:ext uri="{91240B29-F687-4f45-9708-019B960494DF}">
-                  <a14:hiddenLine xmlns="" xmlns:a14="http://schemas.microsoft.com/office/drawing/2010/main" w="9525">
+                  <a14:hiddenLine xmlns:a14="http://schemas.microsoft.com/office/drawing/2010/main" xmlns="" w="9525">
                     <a:solidFill>
                       <a:srgbClr val="000000"/>
                     </a:solidFill>
@@ -9942,7 +9944,7 @@
               </a:ln>
               <a:extLst>
                 <a:ext uri="{91240B29-F687-4f45-9708-019B960494DF}">
-                  <a14:hiddenLine xmlns="" xmlns:a14="http://schemas.microsoft.com/office/drawing/2010/main" w="9525">
+                  <a14:hiddenLine xmlns:a14="http://schemas.microsoft.com/office/drawing/2010/main" xmlns="" w="9525">
                     <a:solidFill>
                       <a:srgbClr val="000000"/>
                     </a:solidFill>
@@ -10004,7 +10006,7 @@
               </a:ln>
               <a:extLst>
                 <a:ext uri="{91240B29-F687-4f45-9708-019B960494DF}">
-                  <a14:hiddenLine xmlns="" xmlns:a14="http://schemas.microsoft.com/office/drawing/2010/main" w="9525">
+                  <a14:hiddenLine xmlns:a14="http://schemas.microsoft.com/office/drawing/2010/main" xmlns="" w="9525">
                     <a:solidFill>
                       <a:srgbClr val="000000"/>
                     </a:solidFill>
@@ -10066,7 +10068,7 @@
               </a:ln>
               <a:extLst>
                 <a:ext uri="{91240B29-F687-4f45-9708-019B960494DF}">
-                  <a14:hiddenLine xmlns="" xmlns:a14="http://schemas.microsoft.com/office/drawing/2010/main" w="9525">
+                  <a14:hiddenLine xmlns:a14="http://schemas.microsoft.com/office/drawing/2010/main" xmlns="" w="9525">
                     <a:solidFill>
                       <a:srgbClr val="000000"/>
                     </a:solidFill>
@@ -10156,7 +10158,7 @@
               </a:ln>
               <a:extLst>
                 <a:ext uri="{91240B29-F687-4f45-9708-019B960494DF}">
-                  <a14:hiddenLine xmlns="" xmlns:a14="http://schemas.microsoft.com/office/drawing/2010/main" w="9525">
+                  <a14:hiddenLine xmlns:a14="http://schemas.microsoft.com/office/drawing/2010/main" xmlns="" w="9525">
                     <a:solidFill>
                       <a:srgbClr val="000000"/>
                     </a:solidFill>
@@ -10190,7 +10192,7 @@
               </a:ln>
               <a:extLst>
                 <a:ext uri="{91240B29-F687-4f45-9708-019B960494DF}">
-                  <a14:hiddenLine xmlns="" xmlns:a14="http://schemas.microsoft.com/office/drawing/2010/main" w="9525">
+                  <a14:hiddenLine xmlns:a14="http://schemas.microsoft.com/office/drawing/2010/main" xmlns="" w="9525">
                     <a:solidFill>
                       <a:srgbClr val="000000"/>
                     </a:solidFill>
@@ -10255,7 +10257,7 @@
               </a:ln>
               <a:extLst>
                 <a:ext uri="{91240B29-F687-4f45-9708-019B960494DF}">
-                  <a14:hiddenLine xmlns="" xmlns:a14="http://schemas.microsoft.com/office/drawing/2010/main" w="9525">
+                  <a14:hiddenLine xmlns:a14="http://schemas.microsoft.com/office/drawing/2010/main" xmlns="" w="9525">
                     <a:solidFill>
                       <a:srgbClr val="000000"/>
                     </a:solidFill>
@@ -10345,7 +10347,7 @@
               </a:ln>
               <a:extLst>
                 <a:ext uri="{91240B29-F687-4f45-9708-019B960494DF}">
-                  <a14:hiddenLine xmlns="" xmlns:a14="http://schemas.microsoft.com/office/drawing/2010/main" w="9525">
+                  <a14:hiddenLine xmlns:a14="http://schemas.microsoft.com/office/drawing/2010/main" xmlns="" w="9525">
                     <a:solidFill>
                       <a:srgbClr val="000000"/>
                     </a:solidFill>
@@ -10407,7 +10409,7 @@
               </a:ln>
               <a:extLst>
                 <a:ext uri="{91240B29-F687-4f45-9708-019B960494DF}">
-                  <a14:hiddenLine xmlns="" xmlns:a14="http://schemas.microsoft.com/office/drawing/2010/main" w="9525">
+                  <a14:hiddenLine xmlns:a14="http://schemas.microsoft.com/office/drawing/2010/main" xmlns="" w="9525">
                     <a:solidFill>
                       <a:srgbClr val="000000"/>
                     </a:solidFill>
@@ -10497,7 +10499,7 @@
               </a:ln>
               <a:extLst>
                 <a:ext uri="{91240B29-F687-4f45-9708-019B960494DF}">
-                  <a14:hiddenLine xmlns="" xmlns:a14="http://schemas.microsoft.com/office/drawing/2010/main" w="9525">
+                  <a14:hiddenLine xmlns:a14="http://schemas.microsoft.com/office/drawing/2010/main" xmlns="" w="9525">
                     <a:solidFill>
                       <a:srgbClr val="000000"/>
                     </a:solidFill>
@@ -10562,7 +10564,7 @@
               </a:ln>
               <a:extLst>
                 <a:ext uri="{91240B29-F687-4f45-9708-019B960494DF}">
-                  <a14:hiddenLine xmlns="" xmlns:a14="http://schemas.microsoft.com/office/drawing/2010/main" w="9525">
+                  <a14:hiddenLine xmlns:a14="http://schemas.microsoft.com/office/drawing/2010/main" xmlns="" w="9525">
                     <a:solidFill>
                       <a:srgbClr val="000000"/>
                     </a:solidFill>
@@ -10624,7 +10626,7 @@
               </a:ln>
               <a:extLst>
                 <a:ext uri="{91240B29-F687-4f45-9708-019B960494DF}">
-                  <a14:hiddenLine xmlns="" xmlns:a14="http://schemas.microsoft.com/office/drawing/2010/main" w="9525">
+                  <a14:hiddenLine xmlns:a14="http://schemas.microsoft.com/office/drawing/2010/main" xmlns="" w="9525">
                     <a:solidFill>
                       <a:srgbClr val="000000"/>
                     </a:solidFill>
@@ -10714,7 +10716,7 @@
               </a:ln>
               <a:extLst>
                 <a:ext uri="{91240B29-F687-4f45-9708-019B960494DF}">
-                  <a14:hiddenLine xmlns="" xmlns:a14="http://schemas.microsoft.com/office/drawing/2010/main" w="9525">
+                  <a14:hiddenLine xmlns:a14="http://schemas.microsoft.com/office/drawing/2010/main" xmlns="" w="9525">
                     <a:solidFill>
                       <a:srgbClr val="000000"/>
                     </a:solidFill>
@@ -10804,7 +10806,7 @@
               </a:ln>
               <a:extLst>
                 <a:ext uri="{91240B29-F687-4f45-9708-019B960494DF}">
-                  <a14:hiddenLine xmlns="" xmlns:a14="http://schemas.microsoft.com/office/drawing/2010/main" w="9525">
+                  <a14:hiddenLine xmlns:a14="http://schemas.microsoft.com/office/drawing/2010/main" xmlns="" w="9525">
                     <a:solidFill>
                       <a:srgbClr val="000000"/>
                     </a:solidFill>
@@ -10869,7 +10871,7 @@
               </a:ln>
               <a:extLst>
                 <a:ext uri="{91240B29-F687-4f45-9708-019B960494DF}">
-                  <a14:hiddenLine xmlns="" xmlns:a14="http://schemas.microsoft.com/office/drawing/2010/main" w="9525">
+                  <a14:hiddenLine xmlns:a14="http://schemas.microsoft.com/office/drawing/2010/main" xmlns="" w="9525">
                     <a:solidFill>
                       <a:srgbClr val="000000"/>
                     </a:solidFill>
@@ -10989,7 +10991,7 @@
               </a:ln>
               <a:extLst>
                 <a:ext uri="{91240B29-F687-4f45-9708-019B960494DF}">
-                  <a14:hiddenLine xmlns="" xmlns:a14="http://schemas.microsoft.com/office/drawing/2010/main" w="9525">
+                  <a14:hiddenLine xmlns:a14="http://schemas.microsoft.com/office/drawing/2010/main" xmlns="" w="9525">
                     <a:solidFill>
                       <a:srgbClr val="000000"/>
                     </a:solidFill>
@@ -11087,7 +11089,7 @@
               </a:ln>
               <a:extLst>
                 <a:ext uri="{91240B29-F687-4f45-9708-019B960494DF}">
-                  <a14:hiddenLine xmlns="" xmlns:a14="http://schemas.microsoft.com/office/drawing/2010/main" w="9525">
+                  <a14:hiddenLine xmlns:a14="http://schemas.microsoft.com/office/drawing/2010/main" xmlns="" w="9525">
                     <a:solidFill>
                       <a:srgbClr val="000000"/>
                     </a:solidFill>
@@ -11202,7 +11204,7 @@
               </a:ln>
               <a:extLst>
                 <a:ext uri="{91240B29-F687-4f45-9708-019B960494DF}">
-                  <a14:hiddenLine xmlns="" xmlns:a14="http://schemas.microsoft.com/office/drawing/2010/main" w="9525">
+                  <a14:hiddenLine xmlns:a14="http://schemas.microsoft.com/office/drawing/2010/main" xmlns="" w="9525">
                     <a:solidFill>
                       <a:srgbClr val="000000"/>
                     </a:solidFill>
@@ -11292,7 +11294,7 @@
               </a:ln>
               <a:extLst>
                 <a:ext uri="{91240B29-F687-4f45-9708-019B960494DF}">
-                  <a14:hiddenLine xmlns="" xmlns:a14="http://schemas.microsoft.com/office/drawing/2010/main" w="9525">
+                  <a14:hiddenLine xmlns:a14="http://schemas.microsoft.com/office/drawing/2010/main" xmlns="" w="9525">
                     <a:solidFill>
                       <a:srgbClr val="000000"/>
                     </a:solidFill>
@@ -11357,7 +11359,7 @@
               </a:ln>
               <a:extLst>
                 <a:ext uri="{91240B29-F687-4f45-9708-019B960494DF}">
-                  <a14:hiddenLine xmlns="" xmlns:a14="http://schemas.microsoft.com/office/drawing/2010/main" w="9525">
+                  <a14:hiddenLine xmlns:a14="http://schemas.microsoft.com/office/drawing/2010/main" xmlns="" w="9525">
                     <a:solidFill>
                       <a:srgbClr val="000000"/>
                     </a:solidFill>
@@ -11447,7 +11449,7 @@
               </a:ln>
               <a:extLst>
                 <a:ext uri="{91240B29-F687-4f45-9708-019B960494DF}">
-                  <a14:hiddenLine xmlns="" xmlns:a14="http://schemas.microsoft.com/office/drawing/2010/main" w="9525">
+                  <a14:hiddenLine xmlns:a14="http://schemas.microsoft.com/office/drawing/2010/main" xmlns="" w="9525">
                     <a:solidFill>
                       <a:srgbClr val="000000"/>
                     </a:solidFill>
@@ -11515,7 +11517,7 @@
               </a:ln>
               <a:extLst>
                 <a:ext uri="{91240B29-F687-4f45-9708-019B960494DF}">
-                  <a14:hiddenLine xmlns="" xmlns:a14="http://schemas.microsoft.com/office/drawing/2010/main" w="9525">
+                  <a14:hiddenLine xmlns:a14="http://schemas.microsoft.com/office/drawing/2010/main" xmlns="" w="9525">
                     <a:solidFill>
                       <a:srgbClr val="000000"/>
                     </a:solidFill>
@@ -11605,7 +11607,7 @@
               </a:ln>
               <a:extLst>
                 <a:ext uri="{91240B29-F687-4f45-9708-019B960494DF}">
-                  <a14:hiddenLine xmlns="" xmlns:a14="http://schemas.microsoft.com/office/drawing/2010/main" w="9525">
+                  <a14:hiddenLine xmlns:a14="http://schemas.microsoft.com/office/drawing/2010/main" xmlns="" w="9525">
                     <a:solidFill>
                       <a:srgbClr val="000000"/>
                     </a:solidFill>
@@ -11673,7 +11675,7 @@
               </a:ln>
               <a:extLst>
                 <a:ext uri="{91240B29-F687-4f45-9708-019B960494DF}">
-                  <a14:hiddenLine xmlns="" xmlns:a14="http://schemas.microsoft.com/office/drawing/2010/main" w="9525">
+                  <a14:hiddenLine xmlns:a14="http://schemas.microsoft.com/office/drawing/2010/main" xmlns="" w="9525">
                     <a:solidFill>
                       <a:srgbClr val="000000"/>
                     </a:solidFill>
@@ -11763,7 +11765,7 @@
               </a:ln>
               <a:extLst>
                 <a:ext uri="{91240B29-F687-4f45-9708-019B960494DF}">
-                  <a14:hiddenLine xmlns="" xmlns:a14="http://schemas.microsoft.com/office/drawing/2010/main" w="9525">
+                  <a14:hiddenLine xmlns:a14="http://schemas.microsoft.com/office/drawing/2010/main" xmlns="" w="9525">
                     <a:solidFill>
                       <a:srgbClr val="000000"/>
                     </a:solidFill>
@@ -11797,7 +11799,7 @@
               </a:ln>
               <a:extLst>
                 <a:ext uri="{91240B29-F687-4f45-9708-019B960494DF}">
-                  <a14:hiddenLine xmlns="" xmlns:a14="http://schemas.microsoft.com/office/drawing/2010/main" w="9525">
+                  <a14:hiddenLine xmlns:a14="http://schemas.microsoft.com/office/drawing/2010/main" xmlns="" w="9525">
                     <a:solidFill>
                       <a:srgbClr val="000000"/>
                     </a:solidFill>
@@ -13083,6 +13085,412 @@
       </p:grpSpPr>
       <p:sp>
         <p:nvSpPr>
+          <p:cNvPr id="10" name="標題 9">
+            <a:extLst>
+              <a:ext uri="{FF2B5EF4-FFF2-40B4-BE49-F238E27FC236}">
+                <a16:creationId xmlns:a16="http://schemas.microsoft.com/office/drawing/2014/main" id="{6AC5472A-B69C-45F3-A47F-C7E3608827FA}"/>
+              </a:ext>
+            </a:extLst>
+          </p:cNvPr>
+          <p:cNvSpPr>
+            <a:spLocks noGrp="1"/>
+          </p:cNvSpPr>
+          <p:nvPr>
+            <p:ph type="title"/>
+          </p:nvPr>
+        </p:nvSpPr>
+        <p:spPr/>
+        <p:txBody>
+          <a:bodyPr/>
+          <a:lstStyle/>
+          <a:p>
+            <a:r>
+              <a:rPr lang="zh-TW" altLang="en-US" b="1" dirty="0"/>
+              <a:t>霍夫找線</a:t>
+            </a:r>
+            <a:r>
+              <a:rPr lang="en-US" altLang="zh-TW" b="1" dirty="0"/>
+              <a:t>(</a:t>
+            </a:r>
+            <a:r>
+              <a:rPr lang="en-US" altLang="zh-TW" b="1" dirty="0" err="1"/>
+              <a:t>HoughLines</a:t>
+            </a:r>
+            <a:r>
+              <a:rPr lang="zh-TW" altLang="en-US" b="1" dirty="0"/>
+              <a:t>、</a:t>
+            </a:r>
+            <a:r>
+              <a:rPr lang="en-US" altLang="zh-TW" b="1" dirty="0" err="1"/>
+              <a:t>HoughLinesP</a:t>
+            </a:r>
+            <a:r>
+              <a:rPr lang="en-US" altLang="zh-TW" b="1" dirty="0"/>
+              <a:t>)</a:t>
+            </a:r>
+            <a:br>
+              <a:rPr lang="en-US" altLang="zh-TW" b="1" dirty="0"/>
+            </a:br>
+            <a:endParaRPr lang="zh-TW" altLang="en-US" dirty="0"/>
+          </a:p>
+        </p:txBody>
+      </p:sp>
+      <p:pic>
+        <p:nvPicPr>
+          <p:cNvPr id="13" name="內容版面配置區 12">
+            <a:extLst>
+              <a:ext uri="{FF2B5EF4-FFF2-40B4-BE49-F238E27FC236}">
+                <a16:creationId xmlns:a16="http://schemas.microsoft.com/office/drawing/2014/main" id="{F501B9AD-66B6-428C-A111-B8096608AFD0}"/>
+              </a:ext>
+            </a:extLst>
+          </p:cNvPr>
+          <p:cNvPicPr>
+            <a:picLocks noGrp="1" noChangeAspect="1"/>
+          </p:cNvPicPr>
+          <p:nvPr>
+            <p:ph sz="half" idx="1"/>
+          </p:nvPr>
+        </p:nvPicPr>
+        <p:blipFill>
+          <a:blip r:embed="rId2"/>
+          <a:stretch>
+            <a:fillRect/>
+          </a:stretch>
+        </p:blipFill>
+        <p:spPr>
+          <a:xfrm>
+            <a:off x="1732756" y="3158331"/>
+            <a:ext cx="3695700" cy="1724025"/>
+          </a:xfrm>
+        </p:spPr>
+      </p:pic>
+      <p:pic>
+        <p:nvPicPr>
+          <p:cNvPr id="16" name="內容版面配置區 15">
+            <a:extLst>
+              <a:ext uri="{FF2B5EF4-FFF2-40B4-BE49-F238E27FC236}">
+                <a16:creationId xmlns:a16="http://schemas.microsoft.com/office/drawing/2014/main" id="{296FCAE4-561F-441B-BCBF-F92AE8B94F00}"/>
+              </a:ext>
+            </a:extLst>
+          </p:cNvPr>
+          <p:cNvPicPr>
+            <a:picLocks noGrp="1" noChangeAspect="1"/>
+          </p:cNvPicPr>
+          <p:nvPr>
+            <p:ph sz="half" idx="2"/>
+          </p:nvPr>
+        </p:nvPicPr>
+        <p:blipFill>
+          <a:blip r:embed="rId3"/>
+          <a:stretch>
+            <a:fillRect/>
+          </a:stretch>
+        </p:blipFill>
+        <p:spPr>
+          <a:xfrm>
+            <a:off x="6278894" y="2249488"/>
+            <a:ext cx="4661825" cy="3541712"/>
+          </a:xfrm>
+        </p:spPr>
+      </p:pic>
+    </p:spTree>
+    <p:extLst>
+      <p:ext uri="{BB962C8B-B14F-4D97-AF65-F5344CB8AC3E}">
+        <p14:creationId xmlns:p14="http://schemas.microsoft.com/office/powerpoint/2010/main" val="2353352288"/>
+      </p:ext>
+    </p:extLst>
+  </p:cSld>
+  <p:clrMapOvr>
+    <a:masterClrMapping/>
+  </p:clrMapOvr>
+</p:sld>
+</file>
+
+<file path=ppt/slides/slide6.xml><?xml version="1.0" encoding="utf-8"?>
+<p:sld xmlns:a="http://schemas.openxmlformats.org/drawingml/2006/main" xmlns:r="http://schemas.openxmlformats.org/officeDocument/2006/relationships" xmlns:p="http://schemas.openxmlformats.org/presentationml/2006/main">
+  <p:cSld>
+    <p:spTree>
+      <p:nvGrpSpPr>
+        <p:cNvPr id="1" name=""/>
+        <p:cNvGrpSpPr/>
+        <p:nvPr/>
+      </p:nvGrpSpPr>
+      <p:grpSpPr>
+        <a:xfrm>
+          <a:off x="0" y="0"/>
+          <a:ext cx="0" cy="0"/>
+          <a:chOff x="0" y="0"/>
+          <a:chExt cx="0" cy="0"/>
+        </a:xfrm>
+      </p:grpSpPr>
+      <p:sp>
+        <p:nvSpPr>
+          <p:cNvPr id="4" name="標題 3">
+            <a:extLst>
+              <a:ext uri="{FF2B5EF4-FFF2-40B4-BE49-F238E27FC236}">
+                <a16:creationId xmlns:a16="http://schemas.microsoft.com/office/drawing/2014/main" id="{5651AA22-48E2-4F1D-BE36-3978D1093BA2}"/>
+              </a:ext>
+            </a:extLst>
+          </p:cNvPr>
+          <p:cNvSpPr>
+            <a:spLocks noGrp="1"/>
+          </p:cNvSpPr>
+          <p:nvPr>
+            <p:ph type="title"/>
+          </p:nvPr>
+        </p:nvSpPr>
+        <p:spPr/>
+        <p:txBody>
+          <a:bodyPr/>
+          <a:lstStyle/>
+          <a:p>
+            <a:r>
+              <a:rPr lang="zh-TW" altLang="en-US" b="1" dirty="0"/>
+              <a:t>形態學，侵蝕、膨脹</a:t>
+            </a:r>
+            <a:r>
+              <a:rPr lang="en-US" altLang="zh-TW" b="1" dirty="0"/>
+              <a:t>(erode</a:t>
+            </a:r>
+            <a:r>
+              <a:rPr lang="zh-TW" altLang="en-US" b="1" dirty="0"/>
+              <a:t>、</a:t>
+            </a:r>
+            <a:r>
+              <a:rPr lang="en-US" altLang="zh-TW" b="1" dirty="0"/>
+              <a:t>dilate)</a:t>
+            </a:r>
+            <a:br>
+              <a:rPr lang="en-US" altLang="zh-TW" b="1" dirty="0"/>
+            </a:br>
+            <a:endParaRPr lang="zh-TW" altLang="en-US" dirty="0"/>
+          </a:p>
+        </p:txBody>
+      </p:sp>
+      <p:sp>
+        <p:nvSpPr>
+          <p:cNvPr id="14" name="文字版面配置區 13">
+            <a:extLst>
+              <a:ext uri="{FF2B5EF4-FFF2-40B4-BE49-F238E27FC236}">
+                <a16:creationId xmlns:a16="http://schemas.microsoft.com/office/drawing/2014/main" id="{0642D294-B3E2-4E72-87EA-9B43E394E15C}"/>
+              </a:ext>
+            </a:extLst>
+          </p:cNvPr>
+          <p:cNvSpPr>
+            <a:spLocks noGrp="1"/>
+          </p:cNvSpPr>
+          <p:nvPr>
+            <p:ph type="body" sz="half" idx="18"/>
+          </p:nvPr>
+        </p:nvSpPr>
+        <p:spPr/>
+        <p:txBody>
+          <a:bodyPr>
+            <a:normAutofit/>
+          </a:bodyPr>
+          <a:lstStyle/>
+          <a:p>
+            <a:pPr algn="ctr"/>
+            <a:r>
+              <a:rPr lang="zh-TW" altLang="en-US" sz="3200" dirty="0">
+                <a:latin typeface="標楷體" panose="03000509000000000000" pitchFamily="65" charset="-120"/>
+                <a:ea typeface="標楷體" panose="03000509000000000000" pitchFamily="65" charset="-120"/>
+              </a:rPr>
+              <a:t>膨脹</a:t>
+            </a:r>
+          </a:p>
+        </p:txBody>
+      </p:sp>
+      <p:sp>
+        <p:nvSpPr>
+          <p:cNvPr id="15" name="文字版面配置區 14">
+            <a:extLst>
+              <a:ext uri="{FF2B5EF4-FFF2-40B4-BE49-F238E27FC236}">
+                <a16:creationId xmlns:a16="http://schemas.microsoft.com/office/drawing/2014/main" id="{D3922B76-9157-4E84-B5DE-E14EDBD8C0D0}"/>
+              </a:ext>
+            </a:extLst>
+          </p:cNvPr>
+          <p:cNvSpPr>
+            <a:spLocks noGrp="1"/>
+          </p:cNvSpPr>
+          <p:nvPr>
+            <p:ph type="body" sz="half" idx="19"/>
+          </p:nvPr>
+        </p:nvSpPr>
+        <p:spPr/>
+        <p:txBody>
+          <a:bodyPr>
+            <a:normAutofit/>
+          </a:bodyPr>
+          <a:lstStyle/>
+          <a:p>
+            <a:pPr algn="ctr"/>
+            <a:r>
+              <a:rPr lang="zh-TW" altLang="en-US" sz="3200" dirty="0">
+                <a:latin typeface="標楷體" panose="03000509000000000000" pitchFamily="65" charset="-120"/>
+                <a:ea typeface="標楷體" panose="03000509000000000000" pitchFamily="65" charset="-120"/>
+              </a:rPr>
+              <a:t>侵蝕</a:t>
+            </a:r>
+          </a:p>
+        </p:txBody>
+      </p:sp>
+      <p:sp>
+        <p:nvSpPr>
+          <p:cNvPr id="16" name="文字版面配置區 15">
+            <a:extLst>
+              <a:ext uri="{FF2B5EF4-FFF2-40B4-BE49-F238E27FC236}">
+                <a16:creationId xmlns:a16="http://schemas.microsoft.com/office/drawing/2014/main" id="{39965A27-408B-4FA3-AE2E-9B887B038341}"/>
+              </a:ext>
+            </a:extLst>
+          </p:cNvPr>
+          <p:cNvSpPr>
+            <a:spLocks noGrp="1"/>
+          </p:cNvSpPr>
+          <p:nvPr>
+            <p:ph type="body" sz="half" idx="20"/>
+          </p:nvPr>
+        </p:nvSpPr>
+        <p:spPr/>
+        <p:txBody>
+          <a:bodyPr>
+            <a:normAutofit/>
+          </a:bodyPr>
+          <a:lstStyle/>
+          <a:p>
+            <a:pPr algn="ctr"/>
+            <a:r>
+              <a:rPr lang="zh-TW" altLang="en-US" sz="3200" dirty="0">
+                <a:latin typeface="標楷體" panose="03000509000000000000" pitchFamily="65" charset="-120"/>
+                <a:ea typeface="標楷體" panose="03000509000000000000" pitchFamily="65" charset="-120"/>
+              </a:rPr>
+              <a:t>成品</a:t>
+            </a:r>
+          </a:p>
+        </p:txBody>
+      </p:sp>
+      <p:pic>
+        <p:nvPicPr>
+          <p:cNvPr id="23" name="圖片 22">
+            <a:extLst>
+              <a:ext uri="{FF2B5EF4-FFF2-40B4-BE49-F238E27FC236}">
+                <a16:creationId xmlns:a16="http://schemas.microsoft.com/office/drawing/2014/main" id="{9D46815D-D764-4B98-96F5-B53856DF85F6}"/>
+              </a:ext>
+            </a:extLst>
+          </p:cNvPr>
+          <p:cNvPicPr>
+            <a:picLocks noChangeAspect="1"/>
+          </p:cNvPicPr>
+          <p:nvPr/>
+        </p:nvPicPr>
+        <p:blipFill>
+          <a:blip r:embed="rId2"/>
+          <a:stretch>
+            <a:fillRect/>
+          </a:stretch>
+        </p:blipFill>
+        <p:spPr>
+          <a:xfrm>
+            <a:off x="1294409" y="2361922"/>
+            <a:ext cx="2874005" cy="2134156"/>
+          </a:xfrm>
+          <a:prstGeom prst="rect">
+            <a:avLst/>
+          </a:prstGeom>
+        </p:spPr>
+      </p:pic>
+      <p:pic>
+        <p:nvPicPr>
+          <p:cNvPr id="25" name="圖片 24">
+            <a:extLst>
+              <a:ext uri="{FF2B5EF4-FFF2-40B4-BE49-F238E27FC236}">
+                <a16:creationId xmlns:a16="http://schemas.microsoft.com/office/drawing/2014/main" id="{F2391058-A29C-4E7C-9C0C-0C0C98905F39}"/>
+              </a:ext>
+            </a:extLst>
+          </p:cNvPr>
+          <p:cNvPicPr>
+            <a:picLocks noChangeAspect="1"/>
+          </p:cNvPicPr>
+          <p:nvPr/>
+        </p:nvPicPr>
+        <p:blipFill>
+          <a:blip r:embed="rId3"/>
+          <a:stretch>
+            <a:fillRect/>
+          </a:stretch>
+        </p:blipFill>
+        <p:spPr>
+          <a:xfrm>
+            <a:off x="4544291" y="2359020"/>
+            <a:ext cx="3071752" cy="2137058"/>
+          </a:xfrm>
+          <a:prstGeom prst="rect">
+            <a:avLst/>
+          </a:prstGeom>
+        </p:spPr>
+      </p:pic>
+      <p:pic>
+        <p:nvPicPr>
+          <p:cNvPr id="29" name="圖片 28">
+            <a:extLst>
+              <a:ext uri="{FF2B5EF4-FFF2-40B4-BE49-F238E27FC236}">
+                <a16:creationId xmlns:a16="http://schemas.microsoft.com/office/drawing/2014/main" id="{168033E0-0D2B-4758-942D-5E4EEB497DE6}"/>
+              </a:ext>
+            </a:extLst>
+          </p:cNvPr>
+          <p:cNvPicPr>
+            <a:picLocks noChangeAspect="1"/>
+          </p:cNvPicPr>
+          <p:nvPr/>
+        </p:nvPicPr>
+        <p:blipFill>
+          <a:blip r:embed="rId4"/>
+          <a:stretch>
+            <a:fillRect/>
+          </a:stretch>
+        </p:blipFill>
+        <p:spPr>
+          <a:xfrm>
+            <a:off x="7881894" y="2129642"/>
+            <a:ext cx="3103526" cy="2424544"/>
+          </a:xfrm>
+          <a:prstGeom prst="rect">
+            <a:avLst/>
+          </a:prstGeom>
+        </p:spPr>
+      </p:pic>
+    </p:spTree>
+    <p:extLst>
+      <p:ext uri="{BB962C8B-B14F-4D97-AF65-F5344CB8AC3E}">
+        <p14:creationId xmlns:p14="http://schemas.microsoft.com/office/powerpoint/2010/main" val="3287547074"/>
+      </p:ext>
+    </p:extLst>
+  </p:cSld>
+  <p:clrMapOvr>
+    <a:masterClrMapping/>
+  </p:clrMapOvr>
+</p:sld>
+</file>
+
+<file path=ppt/slides/slide7.xml><?xml version="1.0" encoding="utf-8"?>
+<p:sld xmlns:a="http://schemas.openxmlformats.org/drawingml/2006/main" xmlns:r="http://schemas.openxmlformats.org/officeDocument/2006/relationships" xmlns:p="http://schemas.openxmlformats.org/presentationml/2006/main">
+  <p:cSld>
+    <p:spTree>
+      <p:nvGrpSpPr>
+        <p:cNvPr id="1" name=""/>
+        <p:cNvGrpSpPr/>
+        <p:nvPr/>
+      </p:nvGrpSpPr>
+      <p:grpSpPr>
+        <a:xfrm>
+          <a:off x="0" y="0"/>
+          <a:ext cx="0" cy="0"/>
+          <a:chOff x="0" y="0"/>
+          <a:chExt cx="0" cy="0"/>
+        </a:xfrm>
+      </p:grpSpPr>
+      <p:sp>
+        <p:nvSpPr>
           <p:cNvPr id="7" name="標題 6">
             <a:extLst>
               <a:ext uri="{FF2B5EF4-FFF2-40B4-BE49-F238E27FC236}">
@@ -13135,7 +13543,12 @@
             <p:ph type="body" idx="1"/>
           </p:nvPr>
         </p:nvSpPr>
-        <p:spPr/>
+        <p:spPr>
+          <a:xfrm>
+            <a:off x="1330435" y="1651762"/>
+            <a:ext cx="4649783" cy="823912"/>
+          </a:xfrm>
+        </p:spPr>
         <p:txBody>
           <a:bodyPr/>
           <a:lstStyle/>
@@ -13174,7 +13587,7 @@
         </p:blipFill>
         <p:spPr>
           <a:xfrm>
-            <a:off x="1432956" y="3073400"/>
+            <a:off x="1330435" y="2571048"/>
             <a:ext cx="4049486" cy="3667826"/>
           </a:xfrm>
         </p:spPr>
@@ -13195,7 +13608,12 @@
             <p:ph type="body" sz="quarter" idx="3"/>
           </p:nvPr>
         </p:nvSpPr>
-        <p:spPr/>
+        <p:spPr>
+          <a:xfrm>
+            <a:off x="6400809" y="1651762"/>
+            <a:ext cx="4646602" cy="823912"/>
+          </a:xfrm>
+        </p:spPr>
         <p:txBody>
           <a:bodyPr/>
           <a:lstStyle/>
@@ -13234,7 +13652,7 @@
         </p:blipFill>
         <p:spPr>
           <a:xfrm>
-            <a:off x="6646224" y="3073399"/>
+            <a:off x="6527471" y="2592819"/>
             <a:ext cx="4782192" cy="3624283"/>
           </a:xfrm>
         </p:spPr>
@@ -13252,7 +13670,7 @@
 </p:sld>
 </file>
 
-<file path=ppt/slides/slide6.xml><?xml version="1.0" encoding="utf-8"?>
+<file path=ppt/slides/slide8.xml><?xml version="1.0" encoding="utf-8"?>
 <p:sld xmlns:a="http://schemas.openxmlformats.org/drawingml/2006/main" xmlns:r="http://schemas.openxmlformats.org/officeDocument/2006/relationships" xmlns:p="http://schemas.openxmlformats.org/presentationml/2006/main">
   <p:cSld>
     <p:spTree>
@@ -13369,7 +13787,7 @@
 </p:sld>
 </file>
 
-<file path=ppt/slides/slide7.xml><?xml version="1.0" encoding="utf-8"?>
+<file path=ppt/slides/slide9.xml><?xml version="1.0" encoding="utf-8"?>
 <p:sld xmlns:a="http://schemas.openxmlformats.org/drawingml/2006/main" xmlns:r="http://schemas.openxmlformats.org/officeDocument/2006/relationships" xmlns:p="http://schemas.openxmlformats.org/presentationml/2006/main">
   <p:cSld>
     <p:spTree>
